--- a/material/expression_script.pptx
+++ b/material/expression_script.pptx
@@ -5,20 +5,21 @@
     <p:sldMasterId id="2147483648" r:id="rId1"/>
   </p:sldMasterIdLst>
   <p:notesMasterIdLst>
-    <p:notesMasterId r:id="rId13"/>
+    <p:notesMasterId r:id="rId14"/>
   </p:notesMasterIdLst>
   <p:sldIdLst>
     <p:sldId id="256" r:id="rId2"/>
     <p:sldId id="266" r:id="rId3"/>
-    <p:sldId id="257" r:id="rId4"/>
-    <p:sldId id="258" r:id="rId5"/>
-    <p:sldId id="259" r:id="rId6"/>
-    <p:sldId id="260" r:id="rId7"/>
-    <p:sldId id="261" r:id="rId8"/>
-    <p:sldId id="262" r:id="rId9"/>
-    <p:sldId id="264" r:id="rId10"/>
-    <p:sldId id="265" r:id="rId11"/>
-    <p:sldId id="263" r:id="rId12"/>
+    <p:sldId id="267" r:id="rId4"/>
+    <p:sldId id="257" r:id="rId5"/>
+    <p:sldId id="258" r:id="rId6"/>
+    <p:sldId id="259" r:id="rId7"/>
+    <p:sldId id="260" r:id="rId8"/>
+    <p:sldId id="261" r:id="rId9"/>
+    <p:sldId id="262" r:id="rId10"/>
+    <p:sldId id="264" r:id="rId11"/>
+    <p:sldId id="265" r:id="rId12"/>
+    <p:sldId id="263" r:id="rId13"/>
   </p:sldIdLst>
   <p:sldSz cx="9144000" cy="6858000" type="screen4x3"/>
   <p:notesSz cx="6858000" cy="9144000"/>
@@ -202,7 +203,7 @@
           <a:p>
             <a:fld id="{D998869E-FEA6-48DA-A57B-6DE0799B73C6}" type="datetimeFigureOut">
               <a:rPr kumimoji="1" lang="ja-JP" altLang="en-US" smtClean="0"/>
-              <a:t>2015/4/18</a:t>
+              <a:t>2015/4/22</a:t>
             </a:fld>
             <a:endParaRPr kumimoji="1" lang="ja-JP" altLang="en-US"/>
           </a:p>
@@ -683,7 +684,7 @@
           <a:p>
             <a:fld id="{E90ED720-0104-4369-84BC-D37694168613}" type="datetimeFigureOut">
               <a:rPr kumimoji="1" lang="ja-JP" altLang="en-US" smtClean="0"/>
-              <a:t>2015/4/18</a:t>
+              <a:t>2015/4/22</a:t>
             </a:fld>
             <a:endParaRPr kumimoji="1" lang="ja-JP" altLang="en-US"/>
           </a:p>
@@ -880,7 +881,7 @@
           <a:p>
             <a:fld id="{E90ED720-0104-4369-84BC-D37694168613}" type="datetimeFigureOut">
               <a:rPr kumimoji="1" lang="ja-JP" altLang="en-US" smtClean="0"/>
-              <a:t>2015/4/18</a:t>
+              <a:t>2015/4/22</a:t>
             </a:fld>
             <a:endParaRPr kumimoji="1" lang="ja-JP" altLang="en-US"/>
           </a:p>
@@ -1087,7 +1088,7 @@
           <a:p>
             <a:fld id="{E90ED720-0104-4369-84BC-D37694168613}" type="datetimeFigureOut">
               <a:rPr kumimoji="1" lang="ja-JP" altLang="en-US" smtClean="0"/>
-              <a:t>2015/4/18</a:t>
+              <a:t>2015/4/22</a:t>
             </a:fld>
             <a:endParaRPr kumimoji="1" lang="ja-JP" altLang="en-US"/>
           </a:p>
@@ -1284,7 +1285,7 @@
           <a:p>
             <a:fld id="{E90ED720-0104-4369-84BC-D37694168613}" type="datetimeFigureOut">
               <a:rPr kumimoji="1" lang="ja-JP" altLang="en-US" smtClean="0"/>
-              <a:t>2015/4/18</a:t>
+              <a:t>2015/4/22</a:t>
             </a:fld>
             <a:endParaRPr kumimoji="1" lang="ja-JP" altLang="en-US"/>
           </a:p>
@@ -1525,7 +1526,7 @@
           <a:p>
             <a:fld id="{E90ED720-0104-4369-84BC-D37694168613}" type="datetimeFigureOut">
               <a:rPr kumimoji="1" lang="ja-JP" altLang="en-US" smtClean="0"/>
-              <a:t>2015/4/18</a:t>
+              <a:t>2015/4/22</a:t>
             </a:fld>
             <a:endParaRPr kumimoji="1" lang="ja-JP" altLang="en-US"/>
           </a:p>
@@ -1872,7 +1873,7 @@
           <a:p>
             <a:fld id="{E90ED720-0104-4369-84BC-D37694168613}" type="datetimeFigureOut">
               <a:rPr kumimoji="1" lang="ja-JP" altLang="en-US" smtClean="0"/>
-              <a:t>2015/4/18</a:t>
+              <a:t>2015/4/22</a:t>
             </a:fld>
             <a:endParaRPr kumimoji="1" lang="ja-JP" altLang="en-US"/>
           </a:p>
@@ -2353,7 +2354,7 @@
           <a:p>
             <a:fld id="{E90ED720-0104-4369-84BC-D37694168613}" type="datetimeFigureOut">
               <a:rPr kumimoji="1" lang="ja-JP" altLang="en-US" smtClean="0"/>
-              <a:t>2015/4/18</a:t>
+              <a:t>2015/4/22</a:t>
             </a:fld>
             <a:endParaRPr kumimoji="1" lang="ja-JP" altLang="en-US"/>
           </a:p>
@@ -2466,7 +2467,7 @@
           <a:p>
             <a:fld id="{E90ED720-0104-4369-84BC-D37694168613}" type="datetimeFigureOut">
               <a:rPr kumimoji="1" lang="ja-JP" altLang="en-US" smtClean="0"/>
-              <a:t>2015/4/18</a:t>
+              <a:t>2015/4/22</a:t>
             </a:fld>
             <a:endParaRPr kumimoji="1" lang="ja-JP" altLang="en-US"/>
           </a:p>
@@ -2556,7 +2557,7 @@
           <a:p>
             <a:fld id="{E90ED720-0104-4369-84BC-D37694168613}" type="datetimeFigureOut">
               <a:rPr kumimoji="1" lang="ja-JP" altLang="en-US" smtClean="0"/>
-              <a:t>2015/4/18</a:t>
+              <a:t>2015/4/22</a:t>
             </a:fld>
             <a:endParaRPr kumimoji="1" lang="ja-JP" altLang="en-US"/>
           </a:p>
@@ -2860,7 +2861,7 @@
           <a:p>
             <a:fld id="{E90ED720-0104-4369-84BC-D37694168613}" type="datetimeFigureOut">
               <a:rPr kumimoji="1" lang="ja-JP" altLang="en-US" smtClean="0"/>
-              <a:t>2015/4/18</a:t>
+              <a:t>2015/4/22</a:t>
             </a:fld>
             <a:endParaRPr kumimoji="1" lang="ja-JP" altLang="en-US"/>
           </a:p>
@@ -3108,7 +3109,7 @@
           <a:p>
             <a:fld id="{E90ED720-0104-4369-84BC-D37694168613}" type="datetimeFigureOut">
               <a:rPr kumimoji="1" lang="ja-JP" altLang="en-US" smtClean="0"/>
-              <a:t>2015/4/18</a:t>
+              <a:t>2015/4/22</a:t>
             </a:fld>
             <a:endParaRPr kumimoji="1" lang="ja-JP" altLang="en-US"/>
           </a:p>
@@ -3348,7 +3349,7 @@
           <a:p>
             <a:fld id="{E90ED720-0104-4369-84BC-D37694168613}" type="datetimeFigureOut">
               <a:rPr kumimoji="1" lang="ja-JP" altLang="en-US" smtClean="0"/>
-              <a:t>2015/4/18</a:t>
+              <a:t>2015/4/22</a:t>
             </a:fld>
             <a:endParaRPr kumimoji="1" lang="ja-JP" altLang="en-US"/>
           </a:p>
@@ -3832,6 +3833,331 @@
             <p:ph type="title"/>
           </p:nvPr>
         </p:nvSpPr>
+        <p:spPr/>
+        <p:txBody>
+          <a:bodyPr/>
+          <a:lstStyle/>
+          <a:p>
+            <a:r>
+              <a:rPr kumimoji="1" lang="ja-JP" altLang="en-US" dirty="0" smtClean="0"/>
+              <a:t>変数を使えるようにしたい</a:t>
+            </a:r>
+            <a:r>
+              <a:rPr kumimoji="1" lang="en-US" altLang="ja-JP" dirty="0" smtClean="0"/>
+              <a:t>…</a:t>
+            </a:r>
+            <a:endParaRPr kumimoji="1" lang="ja-JP" altLang="en-US" dirty="0"/>
+          </a:p>
+        </p:txBody>
+      </p:sp>
+      <p:sp>
+        <p:nvSpPr>
+          <p:cNvPr id="4" name="直方体 3"/>
+          <p:cNvSpPr/>
+          <p:nvPr/>
+        </p:nvSpPr>
+        <p:spPr>
+          <a:xfrm>
+            <a:off x="5939950" y="4192082"/>
+            <a:ext cx="2619510" cy="2232248"/>
+          </a:xfrm>
+          <a:prstGeom prst="cube">
+            <a:avLst/>
+          </a:prstGeom>
+        </p:spPr>
+        <p:style>
+          <a:lnRef idx="2">
+            <a:schemeClr val="accent1">
+              <a:shade val="50000"/>
+            </a:schemeClr>
+          </a:lnRef>
+          <a:fillRef idx="1">
+            <a:schemeClr val="accent1"/>
+          </a:fillRef>
+          <a:effectRef idx="0">
+            <a:schemeClr val="accent1"/>
+          </a:effectRef>
+          <a:fontRef idx="minor">
+            <a:schemeClr val="lt1"/>
+          </a:fontRef>
+        </p:style>
+        <p:txBody>
+          <a:bodyPr rtlCol="0" anchor="ctr"/>
+          <a:lstStyle/>
+          <a:p>
+            <a:pPr algn="ctr"/>
+            <a:r>
+              <a:rPr kumimoji="1" lang="en-US" altLang="ja-JP" sz="13800" dirty="0" smtClean="0"/>
+              <a:t>X</a:t>
+            </a:r>
+            <a:endParaRPr kumimoji="1" lang="ja-JP" altLang="en-US" dirty="0"/>
+          </a:p>
+        </p:txBody>
+      </p:sp>
+      <p:sp>
+        <p:nvSpPr>
+          <p:cNvPr id="5" name="円/楕円 4"/>
+          <p:cNvSpPr/>
+          <p:nvPr/>
+        </p:nvSpPr>
+        <p:spPr>
+          <a:xfrm>
+            <a:off x="6457617" y="1439652"/>
+            <a:ext cx="1584176" cy="1512168"/>
+          </a:xfrm>
+          <a:prstGeom prst="ellipse">
+            <a:avLst/>
+          </a:prstGeom>
+        </p:spPr>
+        <p:style>
+          <a:lnRef idx="2">
+            <a:schemeClr val="accent1">
+              <a:shade val="50000"/>
+            </a:schemeClr>
+          </a:lnRef>
+          <a:fillRef idx="1">
+            <a:schemeClr val="accent1"/>
+          </a:fillRef>
+          <a:effectRef idx="0">
+            <a:schemeClr val="accent1"/>
+          </a:effectRef>
+          <a:fontRef idx="minor">
+            <a:schemeClr val="lt1"/>
+          </a:fontRef>
+        </p:style>
+        <p:txBody>
+          <a:bodyPr rtlCol="0" anchor="ctr"/>
+          <a:lstStyle/>
+          <a:p>
+            <a:pPr algn="ctr"/>
+            <a:r>
+              <a:rPr kumimoji="1" lang="en-US" altLang="ja-JP" sz="6600" dirty="0" smtClean="0"/>
+              <a:t>5</a:t>
+            </a:r>
+            <a:endParaRPr kumimoji="1" lang="ja-JP" altLang="en-US" dirty="0"/>
+          </a:p>
+        </p:txBody>
+      </p:sp>
+      <p:sp>
+        <p:nvSpPr>
+          <p:cNvPr id="6" name="上矢印 5"/>
+          <p:cNvSpPr/>
+          <p:nvPr/>
+        </p:nvSpPr>
+        <p:spPr>
+          <a:xfrm>
+            <a:off x="6835567" y="3217358"/>
+            <a:ext cx="864096" cy="648072"/>
+          </a:xfrm>
+          <a:prstGeom prst="upArrow">
+            <a:avLst/>
+          </a:prstGeom>
+        </p:spPr>
+        <p:style>
+          <a:lnRef idx="2">
+            <a:schemeClr val="accent1">
+              <a:shade val="50000"/>
+            </a:schemeClr>
+          </a:lnRef>
+          <a:fillRef idx="1">
+            <a:schemeClr val="accent1"/>
+          </a:fillRef>
+          <a:effectRef idx="0">
+            <a:schemeClr val="accent1"/>
+          </a:effectRef>
+          <a:fontRef idx="minor">
+            <a:schemeClr val="lt1"/>
+          </a:fontRef>
+        </p:style>
+        <p:txBody>
+          <a:bodyPr rtlCol="0" anchor="ctr"/>
+          <a:lstStyle/>
+          <a:p>
+            <a:pPr algn="ctr"/>
+            <a:endParaRPr kumimoji="1" lang="ja-JP" altLang="en-US"/>
+          </a:p>
+        </p:txBody>
+      </p:sp>
+      <p:sp>
+        <p:nvSpPr>
+          <p:cNvPr id="7" name="正方形/長方形 6"/>
+          <p:cNvSpPr/>
+          <p:nvPr/>
+        </p:nvSpPr>
+        <p:spPr>
+          <a:xfrm>
+            <a:off x="924095" y="3541394"/>
+            <a:ext cx="3687785" cy="1301377"/>
+          </a:xfrm>
+          <a:prstGeom prst="rect">
+            <a:avLst/>
+          </a:prstGeom>
+        </p:spPr>
+        <p:style>
+          <a:lnRef idx="2">
+            <a:schemeClr val="accent6">
+              <a:shade val="50000"/>
+            </a:schemeClr>
+          </a:lnRef>
+          <a:fillRef idx="1">
+            <a:schemeClr val="accent6"/>
+          </a:fillRef>
+          <a:effectRef idx="0">
+            <a:schemeClr val="accent6"/>
+          </a:effectRef>
+          <a:fontRef idx="minor">
+            <a:schemeClr val="lt1"/>
+          </a:fontRef>
+        </p:style>
+        <p:txBody>
+          <a:bodyPr rtlCol="0" anchor="ctr"/>
+          <a:lstStyle/>
+          <a:p>
+            <a:pPr algn="ctr"/>
+            <a:r>
+              <a:rPr lang="ja-JP" altLang="en-US" sz="4400" dirty="0"/>
+              <a:t>環境</a:t>
+            </a:r>
+            <a:endParaRPr kumimoji="1" lang="ja-JP" altLang="en-US" dirty="0"/>
+          </a:p>
+        </p:txBody>
+      </p:sp>
+      <p:sp>
+        <p:nvSpPr>
+          <p:cNvPr id="8" name="タイトル 1"/>
+          <p:cNvSpPr txBox="1">
+            <a:spLocks/>
+          </p:cNvSpPr>
+          <p:nvPr/>
+        </p:nvSpPr>
+        <p:spPr>
+          <a:xfrm>
+            <a:off x="-734745" y="2039043"/>
+            <a:ext cx="7005464" cy="1143000"/>
+          </a:xfrm>
+          <a:prstGeom prst="rect">
+            <a:avLst/>
+          </a:prstGeom>
+        </p:spPr>
+        <p:txBody>
+          <a:bodyPr vert="horz" lIns="91440" tIns="45720" rIns="91440" bIns="45720" rtlCol="0" anchor="ctr">
+            <a:normAutofit/>
+          </a:bodyPr>
+          <a:lstStyle>
+            <a:lvl1pPr algn="ctr" defTabSz="914400" rtl="0" eaLnBrk="1" latinLnBrk="0" hangingPunct="1">
+              <a:spcBef>
+                <a:spcPct val="0"/>
+              </a:spcBef>
+              <a:buNone/>
+              <a:defRPr kumimoji="1" sz="4400" kern="1200">
+                <a:solidFill>
+                  <a:schemeClr val="tx1"/>
+                </a:solidFill>
+                <a:latin typeface="+mj-lt"/>
+                <a:ea typeface="+mj-ea"/>
+                <a:cs typeface="+mj-cs"/>
+              </a:defRPr>
+            </a:lvl1pPr>
+          </a:lstStyle>
+          <a:p>
+            <a:r>
+              <a:rPr lang="ja-JP" altLang="en-US" dirty="0"/>
+              <a:t>変数</a:t>
+            </a:r>
+            <a:r>
+              <a:rPr lang="ja-JP" altLang="en-US" dirty="0" smtClean="0"/>
+              <a:t>と中身の対応表</a:t>
+            </a:r>
+            <a:endParaRPr lang="ja-JP" altLang="en-US" dirty="0"/>
+          </a:p>
+        </p:txBody>
+      </p:sp>
+      <p:sp>
+        <p:nvSpPr>
+          <p:cNvPr id="9" name="タイトル 1"/>
+          <p:cNvSpPr txBox="1">
+            <a:spLocks/>
+          </p:cNvSpPr>
+          <p:nvPr/>
+        </p:nvSpPr>
+        <p:spPr>
+          <a:xfrm>
+            <a:off x="-728376" y="5013176"/>
+            <a:ext cx="7005464" cy="1143000"/>
+          </a:xfrm>
+          <a:prstGeom prst="rect">
+            <a:avLst/>
+          </a:prstGeom>
+        </p:spPr>
+        <p:txBody>
+          <a:bodyPr vert="horz" lIns="91440" tIns="45720" rIns="91440" bIns="45720" rtlCol="0" anchor="ctr">
+            <a:normAutofit/>
+          </a:bodyPr>
+          <a:lstStyle>
+            <a:lvl1pPr algn="ctr" defTabSz="914400" rtl="0" eaLnBrk="1" latinLnBrk="0" hangingPunct="1">
+              <a:spcBef>
+                <a:spcPct val="0"/>
+              </a:spcBef>
+              <a:buNone/>
+              <a:defRPr kumimoji="1" sz="4400" kern="1200">
+                <a:solidFill>
+                  <a:schemeClr val="tx1"/>
+                </a:solidFill>
+                <a:latin typeface="+mj-lt"/>
+                <a:ea typeface="+mj-ea"/>
+                <a:cs typeface="+mj-cs"/>
+              </a:defRPr>
+            </a:lvl1pPr>
+          </a:lstStyle>
+          <a:p>
+            <a:r>
+              <a:rPr lang="ja-JP" altLang="en-US" dirty="0" smtClean="0"/>
+              <a:t>が必要！</a:t>
+            </a:r>
+            <a:endParaRPr lang="ja-JP" altLang="en-US" dirty="0"/>
+          </a:p>
+        </p:txBody>
+      </p:sp>
+    </p:spTree>
+    <p:extLst>
+      <p:ext uri="{BB962C8B-B14F-4D97-AF65-F5344CB8AC3E}">
+        <p14:creationId xmlns:p14="http://schemas.microsoft.com/office/powerpoint/2010/main" val="3741632574"/>
+      </p:ext>
+    </p:extLst>
+  </p:cSld>
+  <p:clrMapOvr>
+    <a:masterClrMapping/>
+  </p:clrMapOvr>
+</p:sld>
+</file>
+
+<file path=ppt/slides/slide11.xml><?xml version="1.0" encoding="utf-8"?>
+<p:sld xmlns:a="http://schemas.openxmlformats.org/drawingml/2006/main" xmlns:r="http://schemas.openxmlformats.org/officeDocument/2006/relationships" xmlns:p="http://schemas.openxmlformats.org/presentationml/2006/main">
+  <p:cSld>
+    <p:spTree>
+      <p:nvGrpSpPr>
+        <p:cNvPr id="1" name=""/>
+        <p:cNvGrpSpPr/>
+        <p:nvPr/>
+      </p:nvGrpSpPr>
+      <p:grpSpPr>
+        <a:xfrm>
+          <a:off x="0" y="0"/>
+          <a:ext cx="0" cy="0"/>
+          <a:chOff x="0" y="0"/>
+          <a:chExt cx="0" cy="0"/>
+        </a:xfrm>
+      </p:grpSpPr>
+      <p:sp>
+        <p:nvSpPr>
+          <p:cNvPr id="2" name="タイトル 1"/>
+          <p:cNvSpPr>
+            <a:spLocks noGrp="1"/>
+          </p:cNvSpPr>
+          <p:nvPr>
+            <p:ph type="title"/>
+          </p:nvPr>
+        </p:nvSpPr>
         <p:spPr>
           <a:xfrm>
             <a:off x="457200" y="274638"/>
@@ -3895,7 +4221,7 @@
 </p:sld>
 </file>
 
-<file path=ppt/slides/slide11.xml><?xml version="1.0" encoding="utf-8"?>
+<file path=ppt/slides/slide12.xml><?xml version="1.0" encoding="utf-8"?>
 <p:sld xmlns:a="http://schemas.openxmlformats.org/drawingml/2006/main" xmlns:r="http://schemas.openxmlformats.org/officeDocument/2006/relationships" xmlns:p="http://schemas.openxmlformats.org/presentationml/2006/main">
   <p:cSld>
     <p:spTree>
@@ -4522,28 +4848,31 @@
           </a:bodyPr>
           <a:lstStyle/>
           <a:p>
-            <a:pPr marL="0" indent="0">
+            <a:pPr marL="0" indent="0" algn="ctr">
               <a:buNone/>
             </a:pPr>
             <a:r>
+              <a:rPr lang="en-US" altLang="ja-JP" sz="9600" dirty="0" smtClean="0"/>
+              <a:t>Programing</a:t>
+            </a:r>
+          </a:p>
+          <a:p>
+            <a:pPr marL="0" indent="0" algn="ctr">
+              <a:buNone/>
+            </a:pPr>
+            <a:r>
+              <a:rPr lang="en-US" altLang="ja-JP" sz="9600" dirty="0" smtClean="0"/>
+              <a:t>Language</a:t>
+            </a:r>
+            <a:r>
               <a:rPr lang="en-US" altLang="ja-JP" sz="13800" dirty="0" smtClean="0"/>
-              <a:t> Language       </a:t>
+              <a:t>    </a:t>
             </a:r>
             <a:r>
               <a:rPr lang="ja-JP" altLang="en-US" sz="13800" dirty="0" smtClean="0"/>
               <a:t>　　　</a:t>
             </a:r>
             <a:endParaRPr lang="en-US" altLang="ja-JP" sz="13800" dirty="0" smtClean="0"/>
-          </a:p>
-          <a:p>
-            <a:pPr marL="0" indent="0">
-              <a:buNone/>
-            </a:pPr>
-            <a:r>
-              <a:rPr lang="ja-JP" altLang="en-US" sz="7200" dirty="0" smtClean="0"/>
-              <a:t>プログラミング言語を作ろう</a:t>
-            </a:r>
-            <a:endParaRPr lang="en-US" altLang="ja-JP" sz="7200" dirty="0" smtClean="0"/>
           </a:p>
         </p:txBody>
       </p:sp>
@@ -4586,6 +4915,65 @@
       </p:grpSpPr>
       <p:sp>
         <p:nvSpPr>
+          <p:cNvPr id="4" name="正方形/長方形 3"/>
+          <p:cNvSpPr/>
+          <p:nvPr/>
+        </p:nvSpPr>
+        <p:spPr>
+          <a:xfrm>
+            <a:off x="99434" y="2845385"/>
+            <a:ext cx="8937062" cy="1015663"/>
+          </a:xfrm>
+          <a:prstGeom prst="rect">
+            <a:avLst/>
+          </a:prstGeom>
+        </p:spPr>
+        <p:txBody>
+          <a:bodyPr wrap="none">
+            <a:spAutoFit/>
+          </a:bodyPr>
+          <a:lstStyle/>
+          <a:p>
+            <a:r>
+              <a:rPr lang="ja-JP" altLang="en-US" sz="6000" dirty="0"/>
+              <a:t>プログラミング言語を作ろう</a:t>
+            </a:r>
+            <a:endParaRPr lang="en-US" altLang="ja-JP" dirty="0"/>
+          </a:p>
+        </p:txBody>
+      </p:sp>
+    </p:spTree>
+    <p:extLst>
+      <p:ext uri="{BB962C8B-B14F-4D97-AF65-F5344CB8AC3E}">
+        <p14:creationId xmlns:p14="http://schemas.microsoft.com/office/powerpoint/2010/main" val="2780672865"/>
+      </p:ext>
+    </p:extLst>
+  </p:cSld>
+  <p:clrMapOvr>
+    <a:masterClrMapping/>
+  </p:clrMapOvr>
+</p:sld>
+</file>
+
+<file path=ppt/slides/slide4.xml><?xml version="1.0" encoding="utf-8"?>
+<p:sld xmlns:a="http://schemas.openxmlformats.org/drawingml/2006/main" xmlns:r="http://schemas.openxmlformats.org/officeDocument/2006/relationships" xmlns:p="http://schemas.openxmlformats.org/presentationml/2006/main">
+  <p:cSld>
+    <p:spTree>
+      <p:nvGrpSpPr>
+        <p:cNvPr id="1" name=""/>
+        <p:cNvGrpSpPr/>
+        <p:nvPr/>
+      </p:nvGrpSpPr>
+      <p:grpSpPr>
+        <a:xfrm>
+          <a:off x="0" y="0"/>
+          <a:ext cx="0" cy="0"/>
+          <a:chOff x="0" y="0"/>
+          <a:chExt cx="0" cy="0"/>
+        </a:xfrm>
+      </p:grpSpPr>
+      <p:sp>
+        <p:nvSpPr>
           <p:cNvPr id="3" name="コンテンツ プレースホルダー 2"/>
           <p:cNvSpPr>
             <a:spLocks noGrp="1"/>
@@ -4658,7 +5046,7 @@
 </p:sld>
 </file>
 
-<file path=ppt/slides/slide4.xml><?xml version="1.0" encoding="utf-8"?>
+<file path=ppt/slides/slide5.xml><?xml version="1.0" encoding="utf-8"?>
 <p:sld xmlns:a="http://schemas.openxmlformats.org/drawingml/2006/main" xmlns:r="http://schemas.openxmlformats.org/officeDocument/2006/relationships" xmlns:p="http://schemas.openxmlformats.org/presentationml/2006/main">
   <p:cSld>
     <p:spTree>
@@ -4739,10 +5127,10 @@
           <a:p>
             <a:pPr algn="ctr"/>
             <a:r>
-              <a:rPr kumimoji="1" lang="en-US" altLang="ja-JP" sz="6600" dirty="0" smtClean="0"/>
+              <a:rPr lang="en-US" altLang="ja-JP" sz="6600" dirty="0"/>
               <a:t>1</a:t>
             </a:r>
-            <a:endParaRPr kumimoji="1" lang="ja-JP" altLang="en-US" dirty="0"/>
+            <a:endParaRPr lang="en-US" altLang="ja-JP" sz="6600" dirty="0" smtClean="0"/>
           </a:p>
         </p:txBody>
       </p:sp>
@@ -5221,7 +5609,7 @@
 </p:sld>
 </file>
 
-<file path=ppt/slides/slide5.xml><?xml version="1.0" encoding="utf-8"?>
+<file path=ppt/slides/slide6.xml><?xml version="1.0" encoding="utf-8"?>
 <p:sld xmlns:a="http://schemas.openxmlformats.org/drawingml/2006/main" xmlns:r="http://schemas.openxmlformats.org/officeDocument/2006/relationships" xmlns:p="http://schemas.openxmlformats.org/presentationml/2006/main">
   <p:cSld>
     <p:spTree>
@@ -5790,7 +6178,7 @@
 </p:sld>
 </file>
 
-<file path=ppt/slides/slide6.xml><?xml version="1.0" encoding="utf-8"?>
+<file path=ppt/slides/slide7.xml><?xml version="1.0" encoding="utf-8"?>
 <p:sld xmlns:a="http://schemas.openxmlformats.org/drawingml/2006/main" xmlns:r="http://schemas.openxmlformats.org/officeDocument/2006/relationships" xmlns:p="http://schemas.openxmlformats.org/presentationml/2006/main">
   <p:cSld>
     <p:spTree>
@@ -5866,7 +6254,7 @@
 </p:sld>
 </file>
 
-<file path=ppt/slides/slide7.xml><?xml version="1.0" encoding="utf-8"?>
+<file path=ppt/slides/slide8.xml><?xml version="1.0" encoding="utf-8"?>
 <p:sld xmlns:a="http://schemas.openxmlformats.org/drawingml/2006/main" xmlns:r="http://schemas.openxmlformats.org/officeDocument/2006/relationships" xmlns:p="http://schemas.openxmlformats.org/presentationml/2006/main">
   <p:cSld>
     <p:spTree>
@@ -6190,7 +6578,7 @@
 </p:sld>
 </file>
 
-<file path=ppt/slides/slide8.xml><?xml version="1.0" encoding="utf-8"?>
+<file path=ppt/slides/slide9.xml><?xml version="1.0" encoding="utf-8"?>
 <p:sld xmlns:a="http://schemas.openxmlformats.org/drawingml/2006/main" xmlns:r="http://schemas.openxmlformats.org/officeDocument/2006/relationships" xmlns:p="http://schemas.openxmlformats.org/presentationml/2006/main">
   <p:cSld>
     <p:spTree>
@@ -6621,331 +7009,6 @@
     <p:extLst>
       <p:ext uri="{BB962C8B-B14F-4D97-AF65-F5344CB8AC3E}">
         <p14:creationId xmlns:p14="http://schemas.microsoft.com/office/powerpoint/2010/main" val="2944042107"/>
-      </p:ext>
-    </p:extLst>
-  </p:cSld>
-  <p:clrMapOvr>
-    <a:masterClrMapping/>
-  </p:clrMapOvr>
-</p:sld>
-</file>
-
-<file path=ppt/slides/slide9.xml><?xml version="1.0" encoding="utf-8"?>
-<p:sld xmlns:a="http://schemas.openxmlformats.org/drawingml/2006/main" xmlns:r="http://schemas.openxmlformats.org/officeDocument/2006/relationships" xmlns:p="http://schemas.openxmlformats.org/presentationml/2006/main">
-  <p:cSld>
-    <p:spTree>
-      <p:nvGrpSpPr>
-        <p:cNvPr id="1" name=""/>
-        <p:cNvGrpSpPr/>
-        <p:nvPr/>
-      </p:nvGrpSpPr>
-      <p:grpSpPr>
-        <a:xfrm>
-          <a:off x="0" y="0"/>
-          <a:ext cx="0" cy="0"/>
-          <a:chOff x="0" y="0"/>
-          <a:chExt cx="0" cy="0"/>
-        </a:xfrm>
-      </p:grpSpPr>
-      <p:sp>
-        <p:nvSpPr>
-          <p:cNvPr id="2" name="タイトル 1"/>
-          <p:cNvSpPr>
-            <a:spLocks noGrp="1"/>
-          </p:cNvSpPr>
-          <p:nvPr>
-            <p:ph type="title"/>
-          </p:nvPr>
-        </p:nvSpPr>
-        <p:spPr/>
-        <p:txBody>
-          <a:bodyPr/>
-          <a:lstStyle/>
-          <a:p>
-            <a:r>
-              <a:rPr kumimoji="1" lang="ja-JP" altLang="en-US" dirty="0" smtClean="0"/>
-              <a:t>変数を使えるようにしたい</a:t>
-            </a:r>
-            <a:r>
-              <a:rPr kumimoji="1" lang="en-US" altLang="ja-JP" dirty="0" smtClean="0"/>
-              <a:t>…</a:t>
-            </a:r>
-            <a:endParaRPr kumimoji="1" lang="ja-JP" altLang="en-US" dirty="0"/>
-          </a:p>
-        </p:txBody>
-      </p:sp>
-      <p:sp>
-        <p:nvSpPr>
-          <p:cNvPr id="4" name="直方体 3"/>
-          <p:cNvSpPr/>
-          <p:nvPr/>
-        </p:nvSpPr>
-        <p:spPr>
-          <a:xfrm>
-            <a:off x="5939950" y="4192082"/>
-            <a:ext cx="2619510" cy="2232248"/>
-          </a:xfrm>
-          <a:prstGeom prst="cube">
-            <a:avLst/>
-          </a:prstGeom>
-        </p:spPr>
-        <p:style>
-          <a:lnRef idx="2">
-            <a:schemeClr val="accent1">
-              <a:shade val="50000"/>
-            </a:schemeClr>
-          </a:lnRef>
-          <a:fillRef idx="1">
-            <a:schemeClr val="accent1"/>
-          </a:fillRef>
-          <a:effectRef idx="0">
-            <a:schemeClr val="accent1"/>
-          </a:effectRef>
-          <a:fontRef idx="minor">
-            <a:schemeClr val="lt1"/>
-          </a:fontRef>
-        </p:style>
-        <p:txBody>
-          <a:bodyPr rtlCol="0" anchor="ctr"/>
-          <a:lstStyle/>
-          <a:p>
-            <a:pPr algn="ctr"/>
-            <a:r>
-              <a:rPr kumimoji="1" lang="en-US" altLang="ja-JP" sz="13800" dirty="0" smtClean="0"/>
-              <a:t>X</a:t>
-            </a:r>
-            <a:endParaRPr kumimoji="1" lang="ja-JP" altLang="en-US" dirty="0"/>
-          </a:p>
-        </p:txBody>
-      </p:sp>
-      <p:sp>
-        <p:nvSpPr>
-          <p:cNvPr id="5" name="円/楕円 4"/>
-          <p:cNvSpPr/>
-          <p:nvPr/>
-        </p:nvSpPr>
-        <p:spPr>
-          <a:xfrm>
-            <a:off x="6457617" y="1439652"/>
-            <a:ext cx="1584176" cy="1512168"/>
-          </a:xfrm>
-          <a:prstGeom prst="ellipse">
-            <a:avLst/>
-          </a:prstGeom>
-        </p:spPr>
-        <p:style>
-          <a:lnRef idx="2">
-            <a:schemeClr val="accent1">
-              <a:shade val="50000"/>
-            </a:schemeClr>
-          </a:lnRef>
-          <a:fillRef idx="1">
-            <a:schemeClr val="accent1"/>
-          </a:fillRef>
-          <a:effectRef idx="0">
-            <a:schemeClr val="accent1"/>
-          </a:effectRef>
-          <a:fontRef idx="minor">
-            <a:schemeClr val="lt1"/>
-          </a:fontRef>
-        </p:style>
-        <p:txBody>
-          <a:bodyPr rtlCol="0" anchor="ctr"/>
-          <a:lstStyle/>
-          <a:p>
-            <a:pPr algn="ctr"/>
-            <a:r>
-              <a:rPr kumimoji="1" lang="en-US" altLang="ja-JP" sz="6600" dirty="0" smtClean="0"/>
-              <a:t>5</a:t>
-            </a:r>
-            <a:endParaRPr kumimoji="1" lang="ja-JP" altLang="en-US" dirty="0"/>
-          </a:p>
-        </p:txBody>
-      </p:sp>
-      <p:sp>
-        <p:nvSpPr>
-          <p:cNvPr id="6" name="上矢印 5"/>
-          <p:cNvSpPr/>
-          <p:nvPr/>
-        </p:nvSpPr>
-        <p:spPr>
-          <a:xfrm>
-            <a:off x="6835567" y="3217358"/>
-            <a:ext cx="864096" cy="648072"/>
-          </a:xfrm>
-          <a:prstGeom prst="upArrow">
-            <a:avLst/>
-          </a:prstGeom>
-        </p:spPr>
-        <p:style>
-          <a:lnRef idx="2">
-            <a:schemeClr val="accent1">
-              <a:shade val="50000"/>
-            </a:schemeClr>
-          </a:lnRef>
-          <a:fillRef idx="1">
-            <a:schemeClr val="accent1"/>
-          </a:fillRef>
-          <a:effectRef idx="0">
-            <a:schemeClr val="accent1"/>
-          </a:effectRef>
-          <a:fontRef idx="minor">
-            <a:schemeClr val="lt1"/>
-          </a:fontRef>
-        </p:style>
-        <p:txBody>
-          <a:bodyPr rtlCol="0" anchor="ctr"/>
-          <a:lstStyle/>
-          <a:p>
-            <a:pPr algn="ctr"/>
-            <a:endParaRPr kumimoji="1" lang="ja-JP" altLang="en-US"/>
-          </a:p>
-        </p:txBody>
-      </p:sp>
-      <p:sp>
-        <p:nvSpPr>
-          <p:cNvPr id="7" name="正方形/長方形 6"/>
-          <p:cNvSpPr/>
-          <p:nvPr/>
-        </p:nvSpPr>
-        <p:spPr>
-          <a:xfrm>
-            <a:off x="924095" y="3541394"/>
-            <a:ext cx="3687785" cy="1301377"/>
-          </a:xfrm>
-          <a:prstGeom prst="rect">
-            <a:avLst/>
-          </a:prstGeom>
-        </p:spPr>
-        <p:style>
-          <a:lnRef idx="2">
-            <a:schemeClr val="accent6">
-              <a:shade val="50000"/>
-            </a:schemeClr>
-          </a:lnRef>
-          <a:fillRef idx="1">
-            <a:schemeClr val="accent6"/>
-          </a:fillRef>
-          <a:effectRef idx="0">
-            <a:schemeClr val="accent6"/>
-          </a:effectRef>
-          <a:fontRef idx="minor">
-            <a:schemeClr val="lt1"/>
-          </a:fontRef>
-        </p:style>
-        <p:txBody>
-          <a:bodyPr rtlCol="0" anchor="ctr"/>
-          <a:lstStyle/>
-          <a:p>
-            <a:pPr algn="ctr"/>
-            <a:r>
-              <a:rPr lang="ja-JP" altLang="en-US" sz="4400" dirty="0"/>
-              <a:t>環境</a:t>
-            </a:r>
-            <a:endParaRPr kumimoji="1" lang="ja-JP" altLang="en-US" dirty="0"/>
-          </a:p>
-        </p:txBody>
-      </p:sp>
-      <p:sp>
-        <p:nvSpPr>
-          <p:cNvPr id="8" name="タイトル 1"/>
-          <p:cNvSpPr txBox="1">
-            <a:spLocks/>
-          </p:cNvSpPr>
-          <p:nvPr/>
-        </p:nvSpPr>
-        <p:spPr>
-          <a:xfrm>
-            <a:off x="-734745" y="2039043"/>
-            <a:ext cx="7005464" cy="1143000"/>
-          </a:xfrm>
-          <a:prstGeom prst="rect">
-            <a:avLst/>
-          </a:prstGeom>
-        </p:spPr>
-        <p:txBody>
-          <a:bodyPr vert="horz" lIns="91440" tIns="45720" rIns="91440" bIns="45720" rtlCol="0" anchor="ctr">
-            <a:normAutofit/>
-          </a:bodyPr>
-          <a:lstStyle>
-            <a:lvl1pPr algn="ctr" defTabSz="914400" rtl="0" eaLnBrk="1" latinLnBrk="0" hangingPunct="1">
-              <a:spcBef>
-                <a:spcPct val="0"/>
-              </a:spcBef>
-              <a:buNone/>
-              <a:defRPr kumimoji="1" sz="4400" kern="1200">
-                <a:solidFill>
-                  <a:schemeClr val="tx1"/>
-                </a:solidFill>
-                <a:latin typeface="+mj-lt"/>
-                <a:ea typeface="+mj-ea"/>
-                <a:cs typeface="+mj-cs"/>
-              </a:defRPr>
-            </a:lvl1pPr>
-          </a:lstStyle>
-          <a:p>
-            <a:r>
-              <a:rPr lang="ja-JP" altLang="en-US" dirty="0"/>
-              <a:t>変数</a:t>
-            </a:r>
-            <a:r>
-              <a:rPr lang="ja-JP" altLang="en-US" dirty="0" smtClean="0"/>
-              <a:t>と中身の対応表</a:t>
-            </a:r>
-            <a:endParaRPr lang="ja-JP" altLang="en-US" dirty="0"/>
-          </a:p>
-        </p:txBody>
-      </p:sp>
-      <p:sp>
-        <p:nvSpPr>
-          <p:cNvPr id="9" name="タイトル 1"/>
-          <p:cNvSpPr txBox="1">
-            <a:spLocks/>
-          </p:cNvSpPr>
-          <p:nvPr/>
-        </p:nvSpPr>
-        <p:spPr>
-          <a:xfrm>
-            <a:off x="-728376" y="5013176"/>
-            <a:ext cx="7005464" cy="1143000"/>
-          </a:xfrm>
-          <a:prstGeom prst="rect">
-            <a:avLst/>
-          </a:prstGeom>
-        </p:spPr>
-        <p:txBody>
-          <a:bodyPr vert="horz" lIns="91440" tIns="45720" rIns="91440" bIns="45720" rtlCol="0" anchor="ctr">
-            <a:normAutofit/>
-          </a:bodyPr>
-          <a:lstStyle>
-            <a:lvl1pPr algn="ctr" defTabSz="914400" rtl="0" eaLnBrk="1" latinLnBrk="0" hangingPunct="1">
-              <a:spcBef>
-                <a:spcPct val="0"/>
-              </a:spcBef>
-              <a:buNone/>
-              <a:defRPr kumimoji="1" sz="4400" kern="1200">
-                <a:solidFill>
-                  <a:schemeClr val="tx1"/>
-                </a:solidFill>
-                <a:latin typeface="+mj-lt"/>
-                <a:ea typeface="+mj-ea"/>
-                <a:cs typeface="+mj-cs"/>
-              </a:defRPr>
-            </a:lvl1pPr>
-          </a:lstStyle>
-          <a:p>
-            <a:r>
-              <a:rPr lang="ja-JP" altLang="en-US" dirty="0" smtClean="0"/>
-              <a:t>が必要！</a:t>
-            </a:r>
-            <a:endParaRPr lang="ja-JP" altLang="en-US" dirty="0"/>
-          </a:p>
-        </p:txBody>
-      </p:sp>
-    </p:spTree>
-    <p:extLst>
-      <p:ext uri="{BB962C8B-B14F-4D97-AF65-F5344CB8AC3E}">
-        <p14:creationId xmlns:p14="http://schemas.microsoft.com/office/powerpoint/2010/main" val="3741632574"/>
       </p:ext>
     </p:extLst>
   </p:cSld>
